--- a/Use Case Presentation.pptx
+++ b/Use Case Presentation.pptx
@@ -4648,8 +4648,8 @@
         </p:blipFill>
         <p:spPr>
           <a:xfrm>
-            <a:off x="451005" y="1201850"/>
-            <a:ext cx="5858639" cy="5143500"/>
+            <a:off x="389764" y="1089825"/>
+            <a:ext cx="7142222" cy="5143500"/>
           </a:xfrm>
           <a:prstGeom prst="rect">
             <a:avLst/>
